--- a/slides/coding_assessment_slides.pptx
+++ b/slides/coding_assessment_slides.pptx
@@ -113,6 +113,11 @@
       </a:defRPr>
     </a:lvl9pPr>
   </p:defaultTextStyle>
+  <p:extLst>
+    <p:ext uri="{EFAFB233-063F-42B5-8137-9DF3F51BA10A}">
+      <p15:sldGuideLst xmlns:p15="http://schemas.microsoft.com/office/powerpoint/2012/main"/>
+    </p:ext>
+  </p:extLst>
 </p:presentation>
 </file>
 
@@ -198,7 +203,7 @@
           <a:p>
             <a:fld id="{EB4BCEF5-6A61-4A4D-81BB-1BB1CF2E57AD}" type="datetimeFigureOut">
               <a:rPr lang="en-US" smtClean="0"/>
-              <a:t>4/4/22</a:t>
+              <a:t>4/5/22</a:t>
             </a:fld>
             <a:endParaRPr lang="en-US"/>
           </a:p>
@@ -696,7 +701,7 @@
           <a:p>
             <a:fld id="{6ED60578-ABF3-4844-963C-6C086B517913}" type="datetimeFigureOut">
               <a:rPr lang="en-US" smtClean="0"/>
-              <a:t>4/4/22</a:t>
+              <a:t>4/5/22</a:t>
             </a:fld>
             <a:endParaRPr lang="en-US"/>
           </a:p>
@@ -894,7 +899,7 @@
           <a:p>
             <a:fld id="{6ED60578-ABF3-4844-963C-6C086B517913}" type="datetimeFigureOut">
               <a:rPr lang="en-US" smtClean="0"/>
-              <a:t>4/4/22</a:t>
+              <a:t>4/5/22</a:t>
             </a:fld>
             <a:endParaRPr lang="en-US"/>
           </a:p>
@@ -1102,7 +1107,7 @@
           <a:p>
             <a:fld id="{6ED60578-ABF3-4844-963C-6C086B517913}" type="datetimeFigureOut">
               <a:rPr lang="en-US" smtClean="0"/>
-              <a:t>4/4/22</a:t>
+              <a:t>4/5/22</a:t>
             </a:fld>
             <a:endParaRPr lang="en-US"/>
           </a:p>
@@ -1300,7 +1305,7 @@
           <a:p>
             <a:fld id="{6ED60578-ABF3-4844-963C-6C086B517913}" type="datetimeFigureOut">
               <a:rPr lang="en-US" smtClean="0"/>
-              <a:t>4/4/22</a:t>
+              <a:t>4/5/22</a:t>
             </a:fld>
             <a:endParaRPr lang="en-US"/>
           </a:p>
@@ -1575,7 +1580,7 @@
           <a:p>
             <a:fld id="{6ED60578-ABF3-4844-963C-6C086B517913}" type="datetimeFigureOut">
               <a:rPr lang="en-US" smtClean="0"/>
-              <a:t>4/4/22</a:t>
+              <a:t>4/5/22</a:t>
             </a:fld>
             <a:endParaRPr lang="en-US"/>
           </a:p>
@@ -1840,7 +1845,7 @@
           <a:p>
             <a:fld id="{6ED60578-ABF3-4844-963C-6C086B517913}" type="datetimeFigureOut">
               <a:rPr lang="en-US" smtClean="0"/>
-              <a:t>4/4/22</a:t>
+              <a:t>4/5/22</a:t>
             </a:fld>
             <a:endParaRPr lang="en-US"/>
           </a:p>
@@ -2252,7 +2257,7 @@
           <a:p>
             <a:fld id="{6ED60578-ABF3-4844-963C-6C086B517913}" type="datetimeFigureOut">
               <a:rPr lang="en-US" smtClean="0"/>
-              <a:t>4/4/22</a:t>
+              <a:t>4/5/22</a:t>
             </a:fld>
             <a:endParaRPr lang="en-US"/>
           </a:p>
@@ -2393,7 +2398,7 @@
           <a:p>
             <a:fld id="{6ED60578-ABF3-4844-963C-6C086B517913}" type="datetimeFigureOut">
               <a:rPr lang="en-US" smtClean="0"/>
-              <a:t>4/4/22</a:t>
+              <a:t>4/5/22</a:t>
             </a:fld>
             <a:endParaRPr lang="en-US"/>
           </a:p>
@@ -2506,7 +2511,7 @@
           <a:p>
             <a:fld id="{6ED60578-ABF3-4844-963C-6C086B517913}" type="datetimeFigureOut">
               <a:rPr lang="en-US" smtClean="0"/>
-              <a:t>4/4/22</a:t>
+              <a:t>4/5/22</a:t>
             </a:fld>
             <a:endParaRPr lang="en-US"/>
           </a:p>
@@ -2817,7 +2822,7 @@
           <a:p>
             <a:fld id="{6ED60578-ABF3-4844-963C-6C086B517913}" type="datetimeFigureOut">
               <a:rPr lang="en-US" smtClean="0"/>
-              <a:t>4/4/22</a:t>
+              <a:t>4/5/22</a:t>
             </a:fld>
             <a:endParaRPr lang="en-US"/>
           </a:p>
@@ -3105,7 +3110,7 @@
           <a:p>
             <a:fld id="{6ED60578-ABF3-4844-963C-6C086B517913}" type="datetimeFigureOut">
               <a:rPr lang="en-US" smtClean="0"/>
-              <a:t>4/4/22</a:t>
+              <a:t>4/5/22</a:t>
             </a:fld>
             <a:endParaRPr lang="en-US"/>
           </a:p>
@@ -3346,7 +3351,7 @@
           <a:p>
             <a:fld id="{6ED60578-ABF3-4844-963C-6C086B517913}" type="datetimeFigureOut">
               <a:rPr lang="en-US" smtClean="0"/>
-              <a:t>4/4/22</a:t>
+              <a:t>4/5/22</a:t>
             </a:fld>
             <a:endParaRPr lang="en-US"/>
           </a:p>
@@ -5851,7 +5856,7 @@
               <a:rPr lang="en-US" sz="4000" dirty="0">
                 <a:latin typeface="Helvetica" pitchFamily="2" charset="0"/>
               </a:rPr>
-              <a:t>Conclusions</a:t>
+              <a:t>Conclusions and Caveats </a:t>
             </a:r>
           </a:p>
         </p:txBody>
@@ -5870,8 +5875,8 @@
         </p:nvSpPr>
         <p:spPr>
           <a:xfrm>
-            <a:off x="520534" y="1582340"/>
-            <a:ext cx="10865922" cy="3693319"/>
+            <a:off x="520534" y="1166704"/>
+            <a:ext cx="10865922" cy="6278642"/>
           </a:xfrm>
           <a:prstGeom prst="rect">
             <a:avLst/>
@@ -5884,6 +5889,14 @@
           </a:bodyPr>
           <a:lstStyle/>
           <a:p>
+            <a:r>
+              <a:rPr lang="en-US" sz="2400" dirty="0">
+                <a:latin typeface="Helvetica" pitchFamily="2" charset="0"/>
+              </a:rPr>
+              <a:t>Main conclusions:</a:t>
+            </a:r>
+          </a:p>
+          <a:p>
             <a:pPr marL="285750" indent="-285750">
               <a:buFont typeface="Arial" panose="020B0604020202020204" pitchFamily="34" charset="0"/>
               <a:buChar char="•"/>
@@ -5893,6 +5906,66 @@
                 <a:latin typeface="Helvetica" pitchFamily="2" charset="0"/>
               </a:rPr>
               <a:t>Transposases are prevalent in the 4 species of bacteria in this infant gut microbiome </a:t>
+            </a:r>
+          </a:p>
+          <a:p>
+            <a:pPr marL="285750" indent="-285750">
+              <a:buFont typeface="Arial" panose="020B0604020202020204" pitchFamily="34" charset="0"/>
+              <a:buChar char="•"/>
+            </a:pPr>
+            <a:r>
+              <a:rPr lang="en-US" sz="2400" dirty="0">
+                <a:latin typeface="Helvetica" pitchFamily="2" charset="0"/>
+              </a:rPr>
+              <a:t>Homology analysis infers a putative transposase-mediated inter-species horizontal gene transfer between the </a:t>
+            </a:r>
+            <a:r>
+              <a:rPr lang="en-US" sz="2400" i="1" dirty="0">
+                <a:latin typeface="Helvetica" pitchFamily="2" charset="0"/>
+              </a:rPr>
+              <a:t>Clostridium difficile </a:t>
+            </a:r>
+            <a:r>
+              <a:rPr lang="en-US" sz="2400" dirty="0">
+                <a:latin typeface="Helvetica" pitchFamily="2" charset="0"/>
+              </a:rPr>
+              <a:t>and </a:t>
+            </a:r>
+            <a:r>
+              <a:rPr lang="en-US" sz="2400" i="1" dirty="0">
+                <a:latin typeface="Helvetica" pitchFamily="2" charset="0"/>
+              </a:rPr>
+              <a:t>Enterococcus faecalis </a:t>
+            </a:r>
+            <a:r>
+              <a:rPr lang="en-US" sz="2400" dirty="0">
+                <a:latin typeface="Helvetica" pitchFamily="2" charset="0"/>
+              </a:rPr>
+              <a:t>species that shares a high percent identity and is poorly functionally characterized by the </a:t>
+            </a:r>
+            <a:r>
+              <a:rPr lang="en-US" sz="2400" dirty="0" err="1">
+                <a:latin typeface="Helvetica" pitchFamily="2" charset="0"/>
+              </a:rPr>
+              <a:t>KofamKOALA</a:t>
+            </a:r>
+            <a:r>
+              <a:rPr lang="en-US" sz="2400" dirty="0">
+                <a:latin typeface="Helvetica" pitchFamily="2" charset="0"/>
+              </a:rPr>
+              <a:t> and </a:t>
+            </a:r>
+            <a:r>
+              <a:rPr lang="en-US" sz="2400" dirty="0" err="1">
+                <a:latin typeface="Helvetica" pitchFamily="2" charset="0"/>
+              </a:rPr>
+              <a:t>mobileOB</a:t>
+            </a:r>
+            <a:r>
+              <a:rPr lang="en-US" sz="2400" dirty="0">
+                <a:latin typeface="Helvetica" pitchFamily="2" charset="0"/>
+              </a:rPr>
+              <a:t> databases</a:t>
             </a:r>
           </a:p>
           <a:p>
@@ -5905,7 +5978,15 @@
             </a:endParaRPr>
           </a:p>
           <a:p>
-            <a:pPr marL="285750" indent="-285750">
+            <a:r>
+              <a:rPr lang="en-US" sz="2400" dirty="0">
+                <a:latin typeface="Helvetica" pitchFamily="2" charset="0"/>
+              </a:rPr>
+              <a:t>Caveats: </a:t>
+            </a:r>
+          </a:p>
+          <a:p>
+            <a:pPr marL="342900" indent="-342900">
               <a:buFont typeface="Arial" panose="020B0604020202020204" pitchFamily="34" charset="0"/>
               <a:buChar char="•"/>
             </a:pPr>
@@ -5913,55 +5994,40 @@
               <a:rPr lang="en-US" sz="2400" dirty="0">
                 <a:latin typeface="Helvetica" pitchFamily="2" charset="0"/>
               </a:rPr>
-              <a:t>Homology analysis infers a putative transposase-mediated inter-species horizontal gene transfer between the </a:t>
-            </a:r>
-            <a:r>
-              <a:rPr lang="en-US" sz="2400" i="1" dirty="0">
-                <a:latin typeface="Helvetica" pitchFamily="2" charset="0"/>
-              </a:rPr>
-              <a:t>Clostridium difficile </a:t>
+              <a:t>Initial contig inspection would also include read mapping to check uniform coverage, assessing bins with </a:t>
+            </a:r>
+            <a:r>
+              <a:rPr lang="en-US" sz="2400" dirty="0" err="1">
+                <a:latin typeface="Helvetica" pitchFamily="2" charset="0"/>
+              </a:rPr>
+              <a:t>CheckM</a:t>
             </a:r>
             <a:r>
               <a:rPr lang="en-US" sz="2400" dirty="0">
                 <a:latin typeface="Helvetica" pitchFamily="2" charset="0"/>
               </a:rPr>
-              <a:t>and </a:t>
-            </a:r>
-            <a:r>
-              <a:rPr lang="en-US" sz="2400" i="1" dirty="0">
-                <a:latin typeface="Helvetica" pitchFamily="2" charset="0"/>
-              </a:rPr>
-              <a:t>Enterococcus faecalis </a:t>
-            </a:r>
+              <a:t> and </a:t>
+            </a:r>
+            <a:r>
+              <a:rPr lang="en-US" sz="2400">
+                <a:latin typeface="Helvetica" pitchFamily="2" charset="0"/>
+              </a:rPr>
+              <a:t>GTDB  </a:t>
+            </a:r>
+            <a:endParaRPr lang="en-US" sz="2400" dirty="0">
+              <a:latin typeface="Helvetica" pitchFamily="2" charset="0"/>
+            </a:endParaRPr>
+          </a:p>
+          <a:p>
+            <a:pPr marL="342900" indent="-342900">
+              <a:buFont typeface="Arial" panose="020B0604020202020204" pitchFamily="34" charset="0"/>
+              <a:buChar char="•"/>
+            </a:pPr>
             <a:r>
               <a:rPr lang="en-US" sz="2400" dirty="0">
                 <a:latin typeface="Helvetica" pitchFamily="2" charset="0"/>
               </a:rPr>
-              <a:t>species that shares a high percent identity and is poorly functionally characterized by the </a:t>
-            </a:r>
-            <a:r>
-              <a:rPr lang="en-US" sz="2400" dirty="0" err="1">
-                <a:latin typeface="Helvetica" pitchFamily="2" charset="0"/>
-              </a:rPr>
-              <a:t>KofamKOALA</a:t>
-            </a:r>
-            <a:r>
-              <a:rPr lang="en-US" sz="2400" dirty="0">
-                <a:latin typeface="Helvetica" pitchFamily="2" charset="0"/>
-              </a:rPr>
-              <a:t> and </a:t>
-            </a:r>
-            <a:r>
-              <a:rPr lang="en-US" sz="2400" dirty="0" err="1">
-                <a:latin typeface="Helvetica" pitchFamily="2" charset="0"/>
-              </a:rPr>
-              <a:t>mobileOB</a:t>
-            </a:r>
-            <a:r>
-              <a:rPr lang="en-US" sz="2400" dirty="0">
-                <a:latin typeface="Helvetica" pitchFamily="2" charset="0"/>
-              </a:rPr>
-              <a:t> databases</a:t>
+              <a:t>Additional annotation databases can be ran, parameters can be relaxed to find more distant homologs, and annotations need to be confirmed by inspecting conserved domains</a:t>
             </a:r>
           </a:p>
           <a:p>
